--- a/AttendanceTracker/Razor Syntax.pptx
+++ b/AttendanceTracker/Razor Syntax.pptx
@@ -5,10 +5,11 @@
     <p:sldMasterId id="2147483648" r:id="rId1"/>
   </p:sldMasterIdLst>
   <p:notesMasterIdLst>
-    <p:notesMasterId r:id="rId3"/>
+    <p:notesMasterId r:id="rId4"/>
   </p:notesMasterIdLst>
   <p:sldIdLst>
     <p:sldId id="257" r:id="rId2"/>
+    <p:sldId id="258" r:id="rId3"/>
   </p:sldIdLst>
   <p:sldSz cx="9144000" cy="6858000" type="screen4x3"/>
   <p:notesSz cx="6858000" cy="9144000"/>
@@ -192,7 +193,7 @@
           <a:p>
             <a:fld id="{7C51ACA2-8E03-48D6-A240-5CA504166808}" type="datetimeFigureOut">
               <a:rPr lang="tr-TR" smtClean="0"/>
-              <a:t>25.4.2015</a:t>
+              <a:t>30.4.2015</a:t>
             </a:fld>
             <a:endParaRPr lang="tr-TR"/>
           </a:p>
@@ -643,6 +644,138 @@
 </p:notes>
 </file>
 
+<file path=ppt/notesSlides/notesSlide2.xml><?xml version="1.0" encoding="utf-8"?>
+<p:notes xmlns:a="http://schemas.openxmlformats.org/drawingml/2006/main" xmlns:r="http://schemas.openxmlformats.org/officeDocument/2006/relationships" xmlns:p="http://schemas.openxmlformats.org/presentationml/2006/main">
+  <p:cSld>
+    <p:spTree>
+      <p:nvGrpSpPr>
+        <p:cNvPr id="1" name=""/>
+        <p:cNvGrpSpPr/>
+        <p:nvPr/>
+      </p:nvGrpSpPr>
+      <p:grpSpPr>
+        <a:xfrm>
+          <a:off x="0" y="0"/>
+          <a:ext cx="0" cy="0"/>
+          <a:chOff x="0" y="0"/>
+          <a:chExt cx="0" cy="0"/>
+        </a:xfrm>
+      </p:grpSpPr>
+      <p:sp>
+        <p:nvSpPr>
+          <p:cNvPr id="2" name="Slayt Görüntüsü Yer Tutucusu 1"/>
+          <p:cNvSpPr>
+            <a:spLocks noGrp="1" noRot="1" noChangeAspect="1"/>
+          </p:cNvSpPr>
+          <p:nvPr>
+            <p:ph type="sldImg"/>
+          </p:nvPr>
+        </p:nvSpPr>
+        <p:spPr/>
+      </p:sp>
+      <p:sp>
+        <p:nvSpPr>
+          <p:cNvPr id="3" name="Not Yer Tutucusu 2"/>
+          <p:cNvSpPr>
+            <a:spLocks noGrp="1"/>
+          </p:cNvSpPr>
+          <p:nvPr>
+            <p:ph type="body" idx="1"/>
+          </p:nvPr>
+        </p:nvSpPr>
+        <p:spPr/>
+        <p:txBody>
+          <a:bodyPr/>
+          <a:lstStyle/>
+          <a:p>
+            <a:r>
+              <a:rPr lang="tr-TR" b="1" dirty="0" smtClean="0"/>
+              <a:t>@:</a:t>
+            </a:r>
+            <a:r>
+              <a:rPr lang="tr-TR" dirty="0" smtClean="0"/>
+              <a:t> ve </a:t>
+            </a:r>
+            <a:r>
+              <a:rPr lang="tr-TR" b="1" dirty="0" smtClean="0"/>
+              <a:t>&lt;</a:t>
+            </a:r>
+            <a:r>
+              <a:rPr lang="tr-TR" b="1" dirty="0" err="1" smtClean="0"/>
+              <a:t>text</a:t>
+            </a:r>
+            <a:r>
+              <a:rPr lang="tr-TR" b="1" dirty="0" smtClean="0"/>
+              <a:t>&gt;</a:t>
+            </a:r>
+            <a:r>
+              <a:rPr lang="tr-TR" dirty="0" smtClean="0"/>
+              <a:t> içindeki metne </a:t>
+            </a:r>
+            <a:r>
+              <a:rPr lang="tr-TR" b="1" dirty="0" err="1" smtClean="0"/>
+              <a:t>Html.Encode</a:t>
+            </a:r>
+            <a:r>
+              <a:rPr lang="tr-TR" b="1" dirty="0" smtClean="0"/>
+              <a:t>() </a:t>
+            </a:r>
+            <a:r>
+              <a:rPr lang="tr-TR" b="0" dirty="0" smtClean="0"/>
+              <a:t>uygulamaz. Diğer tüm</a:t>
+            </a:r>
+            <a:r>
+              <a:rPr lang="tr-TR" b="0" baseline="0" dirty="0" smtClean="0"/>
+              <a:t> durumlarda metne </a:t>
+            </a:r>
+            <a:r>
+              <a:rPr lang="tr-TR" b="0" baseline="0" dirty="0" err="1" smtClean="0"/>
+              <a:t>Html.Encode</a:t>
+            </a:r>
+            <a:r>
+              <a:rPr lang="tr-TR" b="0" baseline="0" smtClean="0"/>
+              <a:t> uygulanır.</a:t>
+            </a:r>
+            <a:endParaRPr lang="tr-TR" b="1" dirty="0"/>
+          </a:p>
+        </p:txBody>
+      </p:sp>
+      <p:sp>
+        <p:nvSpPr>
+          <p:cNvPr id="4" name="Slayt Numarası Yer Tutucusu 3"/>
+          <p:cNvSpPr>
+            <a:spLocks noGrp="1"/>
+          </p:cNvSpPr>
+          <p:nvPr>
+            <p:ph type="sldNum" sz="quarter" idx="10"/>
+          </p:nvPr>
+        </p:nvSpPr>
+        <p:spPr/>
+        <p:txBody>
+          <a:bodyPr/>
+          <a:lstStyle/>
+          <a:p>
+            <a:fld id="{9A43E1D7-B69B-4C5A-80B7-D12360CFD178}" type="slidenum">
+              <a:rPr lang="tr-TR" smtClean="0"/>
+              <a:t>2</a:t>
+            </a:fld>
+            <a:endParaRPr lang="tr-TR"/>
+          </a:p>
+        </p:txBody>
+      </p:sp>
+    </p:spTree>
+    <p:extLst>
+      <p:ext uri="{BB962C8B-B14F-4D97-AF65-F5344CB8AC3E}">
+        <p14:creationId xmlns:p14="http://schemas.microsoft.com/office/powerpoint/2010/main" val="4225530080"/>
+      </p:ext>
+    </p:extLst>
+  </p:cSld>
+  <p:clrMapOvr>
+    <a:masterClrMapping/>
+  </p:clrMapOvr>
+</p:notes>
+</file>
+
 <file path=ppt/slideLayouts/slideLayout1.xml><?xml version="1.0" encoding="utf-8"?>
 <p:sldLayout xmlns:a="http://schemas.openxmlformats.org/drawingml/2006/main" xmlns:r="http://schemas.openxmlformats.org/officeDocument/2006/relationships" xmlns:p="http://schemas.openxmlformats.org/presentationml/2006/main" type="title" preserve="1">
   <p:cSld name="Başlık Slaydı">
@@ -824,7 +957,7 @@
           <a:p>
             <a:fld id="{4677023F-0AAE-40AD-A383-B9522BA06273}" type="datetimeFigureOut">
               <a:rPr lang="tr-TR" smtClean="0"/>
-              <a:t>25.4.2015</a:t>
+              <a:t>30.4.2015</a:t>
             </a:fld>
             <a:endParaRPr lang="tr-TR"/>
           </a:p>
@@ -994,7 +1127,7 @@
           <a:p>
             <a:fld id="{4677023F-0AAE-40AD-A383-B9522BA06273}" type="datetimeFigureOut">
               <a:rPr lang="tr-TR" smtClean="0"/>
-              <a:t>25.4.2015</a:t>
+              <a:t>30.4.2015</a:t>
             </a:fld>
             <a:endParaRPr lang="tr-TR"/>
           </a:p>
@@ -1174,7 +1307,7 @@
           <a:p>
             <a:fld id="{4677023F-0AAE-40AD-A383-B9522BA06273}" type="datetimeFigureOut">
               <a:rPr lang="tr-TR" smtClean="0"/>
-              <a:t>25.4.2015</a:t>
+              <a:t>30.4.2015</a:t>
             </a:fld>
             <a:endParaRPr lang="tr-TR"/>
           </a:p>
@@ -1344,7 +1477,7 @@
           <a:p>
             <a:fld id="{4677023F-0AAE-40AD-A383-B9522BA06273}" type="datetimeFigureOut">
               <a:rPr lang="tr-TR" smtClean="0"/>
-              <a:t>25.4.2015</a:t>
+              <a:t>30.4.2015</a:t>
             </a:fld>
             <a:endParaRPr lang="tr-TR"/>
           </a:p>
@@ -1590,7 +1723,7 @@
           <a:p>
             <a:fld id="{4677023F-0AAE-40AD-A383-B9522BA06273}" type="datetimeFigureOut">
               <a:rPr lang="tr-TR" smtClean="0"/>
-              <a:t>25.4.2015</a:t>
+              <a:t>30.4.2015</a:t>
             </a:fld>
             <a:endParaRPr lang="tr-TR"/>
           </a:p>
@@ -1878,7 +2011,7 @@
           <a:p>
             <a:fld id="{4677023F-0AAE-40AD-A383-B9522BA06273}" type="datetimeFigureOut">
               <a:rPr lang="tr-TR" smtClean="0"/>
-              <a:t>25.4.2015</a:t>
+              <a:t>30.4.2015</a:t>
             </a:fld>
             <a:endParaRPr lang="tr-TR"/>
           </a:p>
@@ -2300,7 +2433,7 @@
           <a:p>
             <a:fld id="{4677023F-0AAE-40AD-A383-B9522BA06273}" type="datetimeFigureOut">
               <a:rPr lang="tr-TR" smtClean="0"/>
-              <a:t>25.4.2015</a:t>
+              <a:t>30.4.2015</a:t>
             </a:fld>
             <a:endParaRPr lang="tr-TR"/>
           </a:p>
@@ -2418,7 +2551,7 @@
           <a:p>
             <a:fld id="{4677023F-0AAE-40AD-A383-B9522BA06273}" type="datetimeFigureOut">
               <a:rPr lang="tr-TR" smtClean="0"/>
-              <a:t>25.4.2015</a:t>
+              <a:t>30.4.2015</a:t>
             </a:fld>
             <a:endParaRPr lang="tr-TR"/>
           </a:p>
@@ -2513,7 +2646,7 @@
           <a:p>
             <a:fld id="{4677023F-0AAE-40AD-A383-B9522BA06273}" type="datetimeFigureOut">
               <a:rPr lang="tr-TR" smtClean="0"/>
-              <a:t>25.4.2015</a:t>
+              <a:t>30.4.2015</a:t>
             </a:fld>
             <a:endParaRPr lang="tr-TR"/>
           </a:p>
@@ -2790,7 +2923,7 @@
           <a:p>
             <a:fld id="{4677023F-0AAE-40AD-A383-B9522BA06273}" type="datetimeFigureOut">
               <a:rPr lang="tr-TR" smtClean="0"/>
-              <a:t>25.4.2015</a:t>
+              <a:t>30.4.2015</a:t>
             </a:fld>
             <a:endParaRPr lang="tr-TR"/>
           </a:p>
@@ -3043,7 +3176,7 @@
           <a:p>
             <a:fld id="{4677023F-0AAE-40AD-A383-B9522BA06273}" type="datetimeFigureOut">
               <a:rPr lang="tr-TR" smtClean="0"/>
-              <a:t>25.4.2015</a:t>
+              <a:t>30.4.2015</a:t>
             </a:fld>
             <a:endParaRPr lang="tr-TR"/>
           </a:p>
@@ -3256,7 +3389,7 @@
           <a:p>
             <a:fld id="{4677023F-0AAE-40AD-A383-B9522BA06273}" type="datetimeFigureOut">
               <a:rPr lang="tr-TR" smtClean="0"/>
-              <a:t>25.4.2015</a:t>
+              <a:t>30.4.2015</a:t>
             </a:fld>
             <a:endParaRPr lang="tr-TR"/>
           </a:p>
@@ -3787,11 +3920,7 @@
             </a:r>
             <a:r>
               <a:rPr lang="tr-TR" dirty="0" smtClean="0"/>
-              <a:t> </a:t>
-            </a:r>
-            <a:r>
-              <a:rPr lang="tr-TR" dirty="0" smtClean="0"/>
-              <a:t>  }</a:t>
+              <a:t>   }</a:t>
             </a:r>
           </a:p>
           <a:p>
@@ -3803,6 +3932,178 @@
     <p:extLst>
       <p:ext uri="{BB962C8B-B14F-4D97-AF65-F5344CB8AC3E}">
         <p14:creationId xmlns:p14="http://schemas.microsoft.com/office/powerpoint/2010/main" val="138977964"/>
+      </p:ext>
+    </p:extLst>
+  </p:cSld>
+  <p:clrMapOvr>
+    <a:masterClrMapping/>
+  </p:clrMapOvr>
+</p:sld>
+</file>
+
+<file path=ppt/slides/slide2.xml><?xml version="1.0" encoding="utf-8"?>
+<p:sld xmlns:a="http://schemas.openxmlformats.org/drawingml/2006/main" xmlns:r="http://schemas.openxmlformats.org/officeDocument/2006/relationships" xmlns:p="http://schemas.openxmlformats.org/presentationml/2006/main">
+  <p:cSld>
+    <p:spTree>
+      <p:nvGrpSpPr>
+        <p:cNvPr id="1" name=""/>
+        <p:cNvGrpSpPr/>
+        <p:nvPr/>
+      </p:nvGrpSpPr>
+      <p:grpSpPr>
+        <a:xfrm>
+          <a:off x="0" y="0"/>
+          <a:ext cx="0" cy="0"/>
+          <a:chOff x="0" y="0"/>
+          <a:chExt cx="0" cy="0"/>
+        </a:xfrm>
+      </p:grpSpPr>
+      <p:sp>
+        <p:nvSpPr>
+          <p:cNvPr id="3" name="İçerik Yer Tutucusu 2"/>
+          <p:cNvSpPr>
+            <a:spLocks noGrp="1"/>
+          </p:cNvSpPr>
+          <p:nvPr>
+            <p:ph idx="1"/>
+          </p:nvPr>
+        </p:nvSpPr>
+        <p:spPr/>
+        <p:txBody>
+          <a:bodyPr>
+            <a:normAutofit fontScale="92500" lnSpcReduction="10000"/>
+          </a:bodyPr>
+          <a:lstStyle/>
+          <a:p>
+            <a:r>
+              <a:rPr lang="tr-TR" dirty="0" smtClean="0"/>
+              <a:t>@:</a:t>
+            </a:r>
+          </a:p>
+          <a:p>
+            <a:r>
+              <a:rPr lang="tr-TR" dirty="0" smtClean="0"/>
+              <a:t>&lt;</a:t>
+            </a:r>
+            <a:r>
+              <a:rPr lang="tr-TR" dirty="0" err="1" smtClean="0"/>
+              <a:t>text</a:t>
+            </a:r>
+            <a:r>
+              <a:rPr lang="tr-TR" dirty="0" smtClean="0"/>
+              <a:t>&gt;</a:t>
+            </a:r>
+          </a:p>
+          <a:p>
+            <a:r>
+              <a:rPr lang="tr-TR" dirty="0" smtClean="0"/>
+              <a:t>@model</a:t>
+            </a:r>
+          </a:p>
+          <a:p>
+            <a:r>
+              <a:rPr lang="tr-TR" dirty="0" smtClean="0"/>
+              <a:t>@</a:t>
+            </a:r>
+            <a:r>
+              <a:rPr lang="tr-TR" dirty="0" err="1" smtClean="0"/>
+              <a:t>section</a:t>
+            </a:r>
+            <a:endParaRPr lang="tr-TR" dirty="0" smtClean="0"/>
+          </a:p>
+          <a:p>
+            <a:r>
+              <a:rPr lang="tr-TR" dirty="0" smtClean="0"/>
+              <a:t>@</a:t>
+            </a:r>
+            <a:r>
+              <a:rPr lang="tr-TR" dirty="0" err="1" smtClean="0"/>
+              <a:t>using</a:t>
+            </a:r>
+            <a:endParaRPr lang="tr-TR" dirty="0" smtClean="0"/>
+          </a:p>
+          <a:p>
+            <a:r>
+              <a:rPr lang="tr-TR" dirty="0" smtClean="0"/>
+              <a:t>@</a:t>
+            </a:r>
+            <a:r>
+              <a:rPr lang="tr-TR" dirty="0" err="1" smtClean="0"/>
+              <a:t>inherits</a:t>
+            </a:r>
+            <a:endParaRPr lang="tr-TR" dirty="0" smtClean="0"/>
+          </a:p>
+          <a:p>
+            <a:r>
+              <a:rPr lang="tr-TR" dirty="0" smtClean="0"/>
+              <a:t>@</a:t>
+            </a:r>
+            <a:r>
+              <a:rPr lang="tr-TR" dirty="0" err="1" smtClean="0"/>
+              <a:t>functions</a:t>
+            </a:r>
+            <a:endParaRPr lang="tr-TR" dirty="0" smtClean="0"/>
+          </a:p>
+          <a:p>
+            <a:r>
+              <a:rPr lang="tr-TR" dirty="0" smtClean="0"/>
+              <a:t>@</a:t>
+            </a:r>
+            <a:r>
+              <a:rPr lang="tr-TR" smtClean="0"/>
+              <a:t>helper</a:t>
+            </a:r>
+            <a:r>
+              <a:rPr lang="tr-TR" dirty="0"/>
+              <a:t/>
+            </a:r>
+            <a:br>
+              <a:rPr lang="tr-TR" dirty="0"/>
+            </a:br>
+            <a:endParaRPr lang="tr-TR" dirty="0"/>
+          </a:p>
+        </p:txBody>
+      </p:sp>
+      <p:sp>
+        <p:nvSpPr>
+          <p:cNvPr id="4" name="Başlık 1"/>
+          <p:cNvSpPr>
+            <a:spLocks noGrp="1"/>
+          </p:cNvSpPr>
+          <p:nvPr>
+            <p:ph type="title"/>
+          </p:nvPr>
+        </p:nvSpPr>
+        <p:spPr>
+          <a:xfrm>
+            <a:off x="457200" y="274638"/>
+            <a:ext cx="8229600" cy="1143000"/>
+          </a:xfrm>
+        </p:spPr>
+        <p:txBody>
+          <a:bodyPr/>
+          <a:lstStyle/>
+          <a:p>
+            <a:r>
+              <a:rPr lang="tr-TR" dirty="0" err="1" smtClean="0"/>
+              <a:t>Razor</a:t>
+            </a:r>
+            <a:r>
+              <a:rPr lang="tr-TR" dirty="0" smtClean="0"/>
+              <a:t> </a:t>
+            </a:r>
+            <a:r>
+              <a:rPr lang="tr-TR" dirty="0" err="1" smtClean="0"/>
+              <a:t>Syntax</a:t>
+            </a:r>
+            <a:endParaRPr lang="tr-TR" dirty="0"/>
+          </a:p>
+        </p:txBody>
+      </p:sp>
+    </p:spTree>
+    <p:extLst>
+      <p:ext uri="{BB962C8B-B14F-4D97-AF65-F5344CB8AC3E}">
+        <p14:creationId xmlns:p14="http://schemas.microsoft.com/office/powerpoint/2010/main" val="1416327375"/>
       </p:ext>
     </p:extLst>
   </p:cSld>
